--- a/Lottie-present.pptx
+++ b/Lottie-present.pptx
@@ -45888,7 +45888,7 @@
         <p:spPr>
           <a:xfrm>
             <a:off x="655700" y="1799675"/>
-            <a:ext cx="2620200" cy="2339700"/>
+            <a:ext cx="2620200" cy="2493600"/>
           </a:xfrm>
           <a:prstGeom prst="rect">
             <a:avLst/>
@@ -45967,7 +45967,7 @@
                 <a:cs typeface="Itim"/>
                 <a:sym typeface="Itim"/>
               </a:rPr>
-              <a:t>การสร้าง Iterator จะมี 2 ส่วน คือ </a:t>
+              <a:t>การสร้าง Collections จะมี 2 ส่วน คือ </a:t>
             </a:r>
             <a:endParaRPr sz="1000">
               <a:solidFill>
@@ -46118,7 +46118,39 @@
                 <a:cs typeface="Itim"/>
                 <a:sym typeface="Itim"/>
               </a:rPr>
-              <a:t>ใช้ LinkedTreeMapIterator เป็นการเข้าถึง Collections เพื่อสร้าง Iterator</a:t>
+              <a:t>ใช้ EntrySet และ KeySet และ inner คือ</a:t>
+            </a:r>
+            <a:endParaRPr sz="1000">
+              <a:solidFill>
+                <a:schemeClr val="dk2"/>
+              </a:solidFill>
+              <a:latin typeface="Itim"/>
+              <a:ea typeface="Itim"/>
+              <a:cs typeface="Itim"/>
+              <a:sym typeface="Itim"/>
+            </a:endParaRPr>
+          </a:p>
+          <a:p>
+            <a:pPr indent="0" lvl="0" marL="0" rtl="0" algn="l">
+              <a:spcBef>
+                <a:spcPts val="0"/>
+              </a:spcBef>
+              <a:spcAft>
+                <a:spcPts val="0"/>
+              </a:spcAft>
+              <a:buNone/>
+            </a:pPr>
+            <a:r>
+              <a:rPr lang="en" sz="1000">
+                <a:solidFill>
+                  <a:schemeClr val="dk2"/>
+                </a:solidFill>
+                <a:latin typeface="Itim"/>
+                <a:ea typeface="Itim"/>
+                <a:cs typeface="Itim"/>
+                <a:sym typeface="Itim"/>
+              </a:rPr>
+              <a:t>Anonymous ของทั้ง 2 class ซึ่ง extends จาก Class : LinkedTreeMapIterator </a:t>
             </a:r>
             <a:endParaRPr sz="1000">
               <a:solidFill>
@@ -46240,8 +46272,8 @@
         </p:blipFill>
         <p:spPr>
           <a:xfrm>
-            <a:off x="4275249" y="1096250"/>
-            <a:ext cx="4142475" cy="3746574"/>
+            <a:off x="3467175" y="1028700"/>
+            <a:ext cx="3940051" cy="3948226"/>
           </a:xfrm>
           <a:prstGeom prst="rect">
             <a:avLst/>
@@ -46929,7 +46961,7 @@
         </p:blipFill>
         <p:spPr>
           <a:xfrm>
-            <a:off x="1146013" y="1857225"/>
+            <a:off x="1146000" y="1576950"/>
             <a:ext cx="3124269" cy="1203200"/>
           </a:xfrm>
           <a:prstGeom prst="rect">
@@ -46949,7 +46981,7 @@
         </p:nvSpPr>
         <p:spPr>
           <a:xfrm>
-            <a:off x="1146013" y="2995825"/>
+            <a:off x="1146000" y="2715550"/>
             <a:ext cx="3124200" cy="738900"/>
           </a:xfrm>
           <a:prstGeom prst="rect">
@@ -46985,7 +47017,7 @@
                 <a:cs typeface="Itim"/>
                 <a:sym typeface="Itim"/>
               </a:rPr>
-              <a:t>Concrete Class </a:t>
+              <a:t>Concrete </a:t>
             </a:r>
             <a:r>
               <a:rPr lang="en" sz="1200">
@@ -47062,7 +47094,7 @@
         </p:blipFill>
         <p:spPr>
           <a:xfrm>
-            <a:off x="4536038" y="1857225"/>
+            <a:off x="4536025" y="1576950"/>
             <a:ext cx="3461960" cy="1203200"/>
           </a:xfrm>
           <a:prstGeom prst="rect">
@@ -47143,7 +47175,7 @@
         </p:nvSpPr>
         <p:spPr>
           <a:xfrm>
-            <a:off x="4536038" y="3033600"/>
+            <a:off x="4536025" y="2753325"/>
             <a:ext cx="3124200" cy="554100"/>
           </a:xfrm>
           <a:prstGeom prst="rect">
@@ -47179,7 +47211,7 @@
                 <a:cs typeface="Itim"/>
                 <a:sym typeface="Itim"/>
               </a:rPr>
-              <a:t>Concrete Class Itrator&lt;K&gt;  ของ Abstraction </a:t>
+              <a:t>Concrete Itrator&lt;K&gt;  ของ Abstraction </a:t>
             </a:r>
             <a:endParaRPr sz="1200">
               <a:solidFill>
@@ -47260,7 +47292,7 @@
                 <a:cs typeface="Itim"/>
                 <a:sym typeface="Itim"/>
               </a:rPr>
-              <a:t>Concrete Collections จะคัดเลือกตัวใดตัวหนึ่งของ Class แล้ว return Iterator</a:t>
+              <a:t>Concrete Iterator จะคัดเลือกตัวใดตัวหนึ่งของ Class แล้ว return Iterator</a:t>
             </a:r>
             <a:endParaRPr>
               <a:solidFill>
@@ -47305,8 +47337,8 @@
         </p:nvSpPr>
         <p:spPr>
           <a:xfrm>
-            <a:off x="2769901" y="3553513"/>
-            <a:ext cx="3604200" cy="554100"/>
+            <a:off x="1146026" y="3427438"/>
+            <a:ext cx="3604200" cy="738900"/>
           </a:xfrm>
           <a:prstGeom prst="rect">
             <a:avLst/>
@@ -47353,7 +47385,7 @@
                 <a:cs typeface="Itim"/>
                 <a:sym typeface="Itim"/>
               </a:rPr>
-              <a:t> Concrete Iterator จาก LinkedTreeMapIterator</a:t>
+              <a:t> Concrete Iterator จาก LinkedTreeMapIterator โดยมีการสร้าง anonymous เป็นของตนเอง</a:t>
             </a:r>
             <a:endParaRPr sz="1200">
               <a:solidFill>
